--- a/Présentation de EcoSmart.pptx
+++ b/Présentation de EcoSmart.pptx
@@ -7795,8 +7795,8 @@
         </p:blipFill>
         <p:spPr>
           <a:xfrm>
-            <a:off x="7305653" y="3414250"/>
-            <a:ext cx="1838347" cy="1729250"/>
+            <a:off x="7430750" y="3374775"/>
+            <a:ext cx="1713250" cy="1768724"/>
           </a:xfrm>
           <a:prstGeom prst="rect">
             <a:avLst/>
@@ -7888,8 +7888,8 @@
         </p:blipFill>
         <p:spPr>
           <a:xfrm>
-            <a:off x="8521761" y="0"/>
-            <a:ext cx="622239" cy="650100"/>
+            <a:off x="8418450" y="0"/>
+            <a:ext cx="725550" cy="725550"/>
           </a:xfrm>
           <a:prstGeom prst="rect">
             <a:avLst/>
@@ -8087,8 +8087,8 @@
         </p:blipFill>
         <p:spPr>
           <a:xfrm>
-            <a:off x="8521761" y="0"/>
-            <a:ext cx="622239" cy="650100"/>
+            <a:off x="8418450" y="0"/>
+            <a:ext cx="725550" cy="725550"/>
           </a:xfrm>
           <a:prstGeom prst="rect">
             <a:avLst/>
@@ -8180,8 +8180,8 @@
         </p:blipFill>
         <p:spPr>
           <a:xfrm>
-            <a:off x="8521761" y="0"/>
-            <a:ext cx="622239" cy="650100"/>
+            <a:off x="8418450" y="0"/>
+            <a:ext cx="725550" cy="725550"/>
           </a:xfrm>
           <a:prstGeom prst="rect">
             <a:avLst/>
@@ -9041,8 +9041,8 @@
         </p:blipFill>
         <p:spPr>
           <a:xfrm>
-            <a:off x="8521761" y="0"/>
-            <a:ext cx="622239" cy="650100"/>
+            <a:off x="8418450" y="0"/>
+            <a:ext cx="725550" cy="725550"/>
           </a:xfrm>
           <a:prstGeom prst="rect">
             <a:avLst/>
@@ -9134,8 +9134,8 @@
         </p:blipFill>
         <p:spPr>
           <a:xfrm>
-            <a:off x="8521761" y="0"/>
-            <a:ext cx="622239" cy="650100"/>
+            <a:off x="8418450" y="0"/>
+            <a:ext cx="725550" cy="725550"/>
           </a:xfrm>
           <a:prstGeom prst="rect">
             <a:avLst/>
@@ -10683,37 +10683,9 @@
           </a:p>
         </p:txBody>
       </p:sp>
-      <p:pic>
-        <p:nvPicPr>
-          <p:cNvPr id="115" name="Google Shape;115;p17"/>
-          <p:cNvPicPr preferRelativeResize="0"/>
-          <p:nvPr/>
-        </p:nvPicPr>
-        <p:blipFill>
-          <a:blip r:embed="rId3">
-            <a:alphaModFix/>
-          </a:blip>
-          <a:stretch>
-            <a:fillRect/>
-          </a:stretch>
-        </p:blipFill>
-        <p:spPr>
-          <a:xfrm>
-            <a:off x="8521761" y="0"/>
-            <a:ext cx="622239" cy="650100"/>
-          </a:xfrm>
-          <a:prstGeom prst="rect">
-            <a:avLst/>
-          </a:prstGeom>
-          <a:noFill/>
-          <a:ln>
-            <a:noFill/>
-          </a:ln>
-        </p:spPr>
-      </p:pic>
       <p:sp>
         <p:nvSpPr>
-          <p:cNvPr id="116" name="Google Shape;116;p17"/>
+          <p:cNvPr id="115" name="Google Shape;115;p17"/>
           <p:cNvSpPr/>
           <p:nvPr/>
         </p:nvSpPr>
@@ -10765,7 +10737,7 @@
       </p:sp>
       <p:sp>
         <p:nvSpPr>
-          <p:cNvPr id="117" name="Google Shape;117;p17"/>
+          <p:cNvPr id="116" name="Google Shape;116;p17"/>
           <p:cNvSpPr/>
           <p:nvPr/>
         </p:nvSpPr>
@@ -10815,6 +10787,34 @@
           </a:p>
         </p:txBody>
       </p:sp>
+      <p:pic>
+        <p:nvPicPr>
+          <p:cNvPr id="117" name="Google Shape;117;p17"/>
+          <p:cNvPicPr preferRelativeResize="0"/>
+          <p:nvPr/>
+        </p:nvPicPr>
+        <p:blipFill>
+          <a:blip r:embed="rId3">
+            <a:alphaModFix/>
+          </a:blip>
+          <a:stretch>
+            <a:fillRect/>
+          </a:stretch>
+        </p:blipFill>
+        <p:spPr>
+          <a:xfrm>
+            <a:off x="8418450" y="0"/>
+            <a:ext cx="725550" cy="725550"/>
+          </a:xfrm>
+          <a:prstGeom prst="rect">
+            <a:avLst/>
+          </a:prstGeom>
+          <a:noFill/>
+          <a:ln>
+            <a:noFill/>
+          </a:ln>
+        </p:spPr>
+      </p:pic>
     </p:spTree>
   </p:cSld>
   <p:clrMapOvr>
@@ -12520,8 +12520,8 @@
         </p:blipFill>
         <p:spPr>
           <a:xfrm>
-            <a:off x="8521761" y="0"/>
-            <a:ext cx="622239" cy="650100"/>
+            <a:off x="8418450" y="0"/>
+            <a:ext cx="725550" cy="725550"/>
           </a:xfrm>
           <a:prstGeom prst="rect">
             <a:avLst/>
@@ -12572,7 +12572,7 @@
             <a:tbl>
               <a:tblPr>
                 <a:noFill/>
-                <a:tableStyleId>{A7E43371-2322-47AF-B1AC-42B2E02CE3AA}</a:tableStyleId>
+                <a:tableStyleId>{308B4A52-42C3-4C89-B605-CA7CB4F62B84}</a:tableStyleId>
               </a:tblPr>
               <a:tblGrid>
                 <a:gridCol w="3619500"/>
